--- a/lessons/12_Apr24_Ethics/wk12_Business and Data Ethics.pptx
+++ b/lessons/12_Apr24_Ethics/wk12_Business and Data Ethics.pptx
@@ -287,7 +287,7 @@
                 </a:solidFill>
               </a:rPr>
               <a:pPr/>
-              <a:t>12/3/2018</a:t>
+              <a:t>4/24/2019</a:t>
             </a:fld>
             <a:endParaRPr lang="en-US">
               <a:solidFill>
@@ -537,7 +537,7 @@
                 </a:solidFill>
               </a:rPr>
               <a:pPr/>
-              <a:t>12/3/2018</a:t>
+              <a:t>4/24/2019</a:t>
             </a:fld>
             <a:endParaRPr lang="en-US">
               <a:solidFill>
@@ -829,7 +829,7 @@
                 </a:solidFill>
               </a:rPr>
               <a:pPr/>
-              <a:t>12/3/2018</a:t>
+              <a:t>4/24/2019</a:t>
             </a:fld>
             <a:endParaRPr lang="en-US">
               <a:solidFill>
@@ -1362,7 +1362,7 @@
                 </a:solidFill>
               </a:rPr>
               <a:pPr/>
-              <a:t>12/3/2018</a:t>
+              <a:t>4/24/2019</a:t>
             </a:fld>
             <a:endParaRPr lang="en-US" dirty="0">
               <a:solidFill>
@@ -1825,7 +1825,7 @@
                 </a:solidFill>
               </a:rPr>
               <a:pPr/>
-              <a:t>12/3/2018</a:t>
+              <a:t>4/24/2019</a:t>
             </a:fld>
             <a:endParaRPr lang="en-US" dirty="0">
               <a:solidFill>
@@ -2072,7 +2072,7 @@
                 </a:solidFill>
               </a:rPr>
               <a:pPr/>
-              <a:t>12/3/2018</a:t>
+              <a:t>4/24/2019</a:t>
             </a:fld>
             <a:endParaRPr lang="en-US">
               <a:solidFill>
@@ -2419,7 +2419,7 @@
                 </a:solidFill>
               </a:rPr>
               <a:pPr/>
-              <a:t>12/3/2018</a:t>
+              <a:t>4/24/2019</a:t>
             </a:fld>
             <a:endParaRPr lang="en-US">
               <a:solidFill>
@@ -2725,7 +2725,7 @@
                 </a:solidFill>
               </a:rPr>
               <a:pPr/>
-              <a:t>12/3/2018</a:t>
+              <a:t>4/24/2019</a:t>
             </a:fld>
             <a:endParaRPr lang="en-US">
               <a:solidFill>
@@ -3191,7 +3191,7 @@
                 </a:solidFill>
               </a:rPr>
               <a:pPr/>
-              <a:t>12/3/2018</a:t>
+              <a:t>4/24/2019</a:t>
             </a:fld>
             <a:endParaRPr lang="en-US">
               <a:solidFill>
@@ -3397,7 +3397,7 @@
                 </a:solidFill>
               </a:rPr>
               <a:pPr/>
-              <a:t>12/3/2018</a:t>
+              <a:t>4/24/2019</a:t>
             </a:fld>
             <a:endParaRPr lang="en-US">
               <a:solidFill>
@@ -3621,7 +3621,7 @@
                 </a:solidFill>
               </a:rPr>
               <a:pPr/>
-              <a:t>12/3/2018</a:t>
+              <a:t>4/24/2019</a:t>
             </a:fld>
             <a:endParaRPr lang="en-US">
               <a:solidFill>
@@ -3964,7 +3964,7 @@
                 </a:solidFill>
               </a:rPr>
               <a:pPr/>
-              <a:t>12/3/2018</a:t>
+              <a:t>4/24/2019</a:t>
             </a:fld>
             <a:endParaRPr lang="en-US">
               <a:solidFill>
@@ -4314,7 +4314,7 @@
                 </a:solidFill>
               </a:rPr>
               <a:pPr/>
-              <a:t>12/3/2018</a:t>
+              <a:t>4/24/2019</a:t>
             </a:fld>
             <a:endParaRPr lang="en-US">
               <a:solidFill>
@@ -4622,7 +4622,7 @@
                 </a:solidFill>
               </a:rPr>
               <a:pPr/>
-              <a:t>12/3/2018</a:t>
+              <a:t>4/24/2019</a:t>
             </a:fld>
             <a:endParaRPr lang="en-US">
               <a:solidFill>
@@ -5098,7 +5098,7 @@
           <p:cNvPr id="2" name="Title 1">
             <a:extLst>
               <a:ext uri="{FF2B5EF4-FFF2-40B4-BE49-F238E27FC236}">
-                <a16:creationId xmlns:a16="http://schemas.microsoft.com/office/drawing/2014/main" id="{167A20D1-C38F-40A5-B020-EBD3D0FC1155}"/>
+                <a16:creationId xmlns:a16="http://schemas.microsoft.com/office/drawing/2014/main" xmlns="" id="{167A20D1-C38F-40A5-B020-EBD3D0FC1155}"/>
               </a:ext>
             </a:extLst>
           </p:cNvPr>
@@ -5133,7 +5133,7 @@
           <p:cNvPr id="3" name="Subtitle 2">
             <a:extLst>
               <a:ext uri="{FF2B5EF4-FFF2-40B4-BE49-F238E27FC236}">
-                <a16:creationId xmlns:a16="http://schemas.microsoft.com/office/drawing/2014/main" id="{629F9E77-3FDD-40CA-82E9-3C67E139D3A1}"/>
+                <a16:creationId xmlns:a16="http://schemas.microsoft.com/office/drawing/2014/main" xmlns="" id="{629F9E77-3FDD-40CA-82E9-3C67E139D3A1}"/>
               </a:ext>
             </a:extLst>
           </p:cNvPr>
@@ -5150,9 +5150,10 @@
           <a:lstStyle/>
           <a:p>
             <a:r>
-              <a:rPr lang="en-US" dirty="0"/>
-              <a:t>Aug 1, 2018</a:t>
-            </a:r>
+              <a:rPr lang="en-US" dirty="0" smtClean="0"/>
+              <a:t>Arp 24, 2019</a:t>
+            </a:r>
+            <a:endParaRPr lang="en-US" dirty="0"/>
           </a:p>
         </p:txBody>
       </p:sp>
@@ -5161,7 +5162,7 @@
           <p:cNvPr id="4" name="Date Placeholder 3">
             <a:extLst>
               <a:ext uri="{FF2B5EF4-FFF2-40B4-BE49-F238E27FC236}">
-                <a16:creationId xmlns:a16="http://schemas.microsoft.com/office/drawing/2014/main" id="{8909B2EE-DD66-4058-A696-AC289906954A}"/>
+                <a16:creationId xmlns:a16="http://schemas.microsoft.com/office/drawing/2014/main" xmlns="" id="{8909B2EE-DD66-4058-A696-AC289906954A}"/>
               </a:ext>
             </a:extLst>
           </p:cNvPr>
@@ -5186,7 +5187,7 @@
                 </a:solidFill>
               </a:rPr>
               <a:pPr/>
-              <a:t>12/3/2018</a:t>
+              <a:t>4/24/2019</a:t>
             </a:fld>
             <a:endParaRPr lang="en-US">
               <a:solidFill>
@@ -5203,7 +5204,7 @@
           <p:cNvPr id="5" name="Slide Number Placeholder 4">
             <a:extLst>
               <a:ext uri="{FF2B5EF4-FFF2-40B4-BE49-F238E27FC236}">
-                <a16:creationId xmlns:a16="http://schemas.microsoft.com/office/drawing/2014/main" id="{A46ACE7D-882D-448A-8D8E-544494B44B9F}"/>
+                <a16:creationId xmlns:a16="http://schemas.microsoft.com/office/drawing/2014/main" xmlns="" id="{A46ACE7D-882D-448A-8D8E-544494B44B9F}"/>
               </a:ext>
             </a:extLst>
           </p:cNvPr>
@@ -5245,7 +5246,7 @@
           <p:cNvPr id="6" name="Footer Placeholder 5">
             <a:extLst>
               <a:ext uri="{FF2B5EF4-FFF2-40B4-BE49-F238E27FC236}">
-                <a16:creationId xmlns:a16="http://schemas.microsoft.com/office/drawing/2014/main" id="{31E96655-E1DA-41A3-90E3-F63E0ECB1AE6}"/>
+                <a16:creationId xmlns:a16="http://schemas.microsoft.com/office/drawing/2014/main" xmlns="" id="{31E96655-E1DA-41A3-90E3-F63E0ECB1AE6}"/>
               </a:ext>
             </a:extLst>
           </p:cNvPr>
@@ -5335,7 +5336,7 @@
                 </a:solidFill>
               </a:rPr>
               <a:pPr/>
-              <a:t>12/3/2018</a:t>
+              <a:t>4/24/2019</a:t>
             </a:fld>
             <a:endParaRPr lang="en-US">
               <a:solidFill>
@@ -5584,7 +5585,7 @@
                 </a:solidFill>
               </a:rPr>
               <a:pPr/>
-              <a:t>12/3/2018</a:t>
+              <a:t>4/24/2019</a:t>
             </a:fld>
             <a:endParaRPr lang="en-US">
               <a:solidFill>
@@ -5784,7 +5785,7 @@
           <p:cNvPr id="7" name="TextBox 6">
             <a:extLst>
               <a:ext uri="{FF2B5EF4-FFF2-40B4-BE49-F238E27FC236}">
-                <a16:creationId xmlns:a16="http://schemas.microsoft.com/office/drawing/2014/main" id="{44E008B6-C13B-4431-A09A-604F59B8A6AA}"/>
+                <a16:creationId xmlns:a16="http://schemas.microsoft.com/office/drawing/2014/main" xmlns="" id="{44E008B6-C13B-4431-A09A-604F59B8A6AA}"/>
               </a:ext>
             </a:extLst>
           </p:cNvPr>
@@ -5892,7 +5893,7 @@
                 </a:solidFill>
               </a:rPr>
               <a:pPr/>
-              <a:t>12/3/2018</a:t>
+              <a:t>4/24/2019</a:t>
             </a:fld>
             <a:endParaRPr lang="en-US">
               <a:solidFill>
@@ -6141,7 +6142,7 @@
                 </a:solidFill>
               </a:rPr>
               <a:pPr/>
-              <a:t>12/3/2018</a:t>
+              <a:t>4/24/2019</a:t>
             </a:fld>
             <a:endParaRPr lang="en-US">
               <a:solidFill>
@@ -6404,7 +6405,7 @@
                 </a:solidFill>
               </a:rPr>
               <a:pPr/>
-              <a:t>12/3/2018</a:t>
+              <a:t>4/24/2019</a:t>
             </a:fld>
             <a:endParaRPr lang="en-US">
               <a:solidFill>
@@ -6716,7 +6717,7 @@
                 </a:solidFill>
               </a:rPr>
               <a:pPr/>
-              <a:t>12/3/2018</a:t>
+              <a:t>4/24/2019</a:t>
             </a:fld>
             <a:endParaRPr lang="en-US">
               <a:solidFill>
@@ -7061,7 +7062,7 @@
                 </a:solidFill>
               </a:rPr>
               <a:pPr/>
-              <a:t>12/3/2018</a:t>
+              <a:t>4/24/2019</a:t>
             </a:fld>
             <a:endParaRPr lang="en-US">
               <a:solidFill>
@@ -7310,7 +7311,7 @@
                 </a:solidFill>
               </a:rPr>
               <a:pPr/>
-              <a:t>12/3/2018</a:t>
+              <a:t>4/24/2019</a:t>
             </a:fld>
             <a:endParaRPr lang="en-US">
               <a:solidFill>
@@ -7559,7 +7560,7 @@
                 </a:solidFill>
               </a:rPr>
               <a:pPr/>
-              <a:t>12/3/2018</a:t>
+              <a:t>4/24/2019</a:t>
             </a:fld>
             <a:endParaRPr lang="en-US">
               <a:solidFill>
@@ -7822,7 +7823,7 @@
                 </a:solidFill>
               </a:rPr>
               <a:pPr/>
-              <a:t>12/3/2018</a:t>
+              <a:t>4/24/2019</a:t>
             </a:fld>
             <a:endParaRPr lang="en-US">
               <a:solidFill>
@@ -8167,7 +8168,7 @@
                 </a:solidFill>
               </a:rPr>
               <a:pPr/>
-              <a:t>12/3/2018</a:t>
+              <a:t>4/24/2019</a:t>
             </a:fld>
             <a:endParaRPr lang="en-US">
               <a:solidFill>
@@ -8433,7 +8434,7 @@
                 </a:solidFill>
               </a:rPr>
               <a:pPr/>
-              <a:t>12/3/2018</a:t>
+              <a:t>4/24/2019</a:t>
             </a:fld>
             <a:endParaRPr lang="en-US">
               <a:solidFill>
@@ -8682,7 +8683,7 @@
                 </a:solidFill>
               </a:rPr>
               <a:pPr/>
-              <a:t>12/3/2018</a:t>
+              <a:t>4/24/2019</a:t>
             </a:fld>
             <a:endParaRPr lang="en-US">
               <a:solidFill>
@@ -8945,7 +8946,7 @@
                 </a:solidFill>
               </a:rPr>
               <a:pPr/>
-              <a:t>12/3/2018</a:t>
+              <a:t>4/24/2019</a:t>
             </a:fld>
             <a:endParaRPr lang="en-US">
               <a:solidFill>
@@ -9304,7 +9305,7 @@
                 </a:solidFill>
               </a:rPr>
               <a:pPr/>
-              <a:t>12/3/2018</a:t>
+              <a:t>4/24/2019</a:t>
             </a:fld>
             <a:endParaRPr lang="en-US">
               <a:solidFill>
@@ -9567,7 +9568,7 @@
                 </a:solidFill>
               </a:rPr>
               <a:pPr/>
-              <a:t>12/3/2018</a:t>
+              <a:t>4/24/2019</a:t>
             </a:fld>
             <a:endParaRPr lang="en-US">
               <a:solidFill>
@@ -9879,7 +9880,7 @@
                 </a:solidFill>
               </a:rPr>
               <a:pPr/>
-              <a:t>12/3/2018</a:t>
+              <a:t>4/24/2019</a:t>
             </a:fld>
             <a:endParaRPr lang="en-US">
               <a:solidFill>
@@ -10198,7 +10199,7 @@
                 </a:solidFill>
               </a:rPr>
               <a:pPr/>
-              <a:t>12/3/2018</a:t>
+              <a:t>4/24/2019</a:t>
             </a:fld>
             <a:endParaRPr lang="en-US">
               <a:solidFill>
@@ -10514,28 +10515,28 @@
                 <a:gridCol w="1214439">
                   <a:extLst>
                     <a:ext uri="{9D8B030D-6E8A-4147-A177-3AD203B41FA5}">
-                      <a16:colId xmlns:a16="http://schemas.microsoft.com/office/drawing/2014/main" val="20000"/>
+                      <a16:colId xmlns:a16="http://schemas.microsoft.com/office/drawing/2014/main" xmlns="" val="20000"/>
                     </a:ext>
                   </a:extLst>
                 </a:gridCol>
                 <a:gridCol w="1243013">
                   <a:extLst>
                     <a:ext uri="{9D8B030D-6E8A-4147-A177-3AD203B41FA5}">
-                      <a16:colId xmlns:a16="http://schemas.microsoft.com/office/drawing/2014/main" val="20001"/>
+                      <a16:colId xmlns:a16="http://schemas.microsoft.com/office/drawing/2014/main" xmlns="" val="20001"/>
                     </a:ext>
                   </a:extLst>
                 </a:gridCol>
                 <a:gridCol w="2714625">
                   <a:extLst>
                     <a:ext uri="{9D8B030D-6E8A-4147-A177-3AD203B41FA5}">
-                      <a16:colId xmlns:a16="http://schemas.microsoft.com/office/drawing/2014/main" val="20002"/>
+                      <a16:colId xmlns:a16="http://schemas.microsoft.com/office/drawing/2014/main" xmlns="" val="20002"/>
                     </a:ext>
                   </a:extLst>
                 </a:gridCol>
                 <a:gridCol w="3314701">
                   <a:extLst>
                     <a:ext uri="{9D8B030D-6E8A-4147-A177-3AD203B41FA5}">
-                      <a16:colId xmlns:a16="http://schemas.microsoft.com/office/drawing/2014/main" val="20003"/>
+                      <a16:colId xmlns:a16="http://schemas.microsoft.com/office/drawing/2014/main" xmlns="" val="20003"/>
                     </a:ext>
                   </a:extLst>
                 </a:gridCol>
@@ -10595,7 +10596,7 @@
                 </a:tc>
                 <a:extLst>
                   <a:ext uri="{0D108BD9-81ED-4DB2-BD59-A6C34878D82A}">
-                    <a16:rowId xmlns:a16="http://schemas.microsoft.com/office/drawing/2014/main" val="10000"/>
+                    <a16:rowId xmlns:a16="http://schemas.microsoft.com/office/drawing/2014/main" xmlns="" val="10000"/>
                   </a:ext>
                 </a:extLst>
               </a:tr>
@@ -10672,7 +10673,7 @@
                 </a:tc>
                 <a:extLst>
                   <a:ext uri="{0D108BD9-81ED-4DB2-BD59-A6C34878D82A}">
-                    <a16:rowId xmlns:a16="http://schemas.microsoft.com/office/drawing/2014/main" val="10001"/>
+                    <a16:rowId xmlns:a16="http://schemas.microsoft.com/office/drawing/2014/main" xmlns="" val="10001"/>
                   </a:ext>
                 </a:extLst>
               </a:tr>
@@ -10704,7 +10705,7 @@
                 </a:solidFill>
               </a:rPr>
               <a:pPr/>
-              <a:t>12/3/2018</a:t>
+              <a:t>4/24/2019</a:t>
             </a:fld>
             <a:endParaRPr lang="en-US">
               <a:solidFill>
@@ -10814,7 +10815,7 @@
           <p:cNvPr id="1026" name="Picture 2" descr="Image result for immanuel kant meme">
             <a:extLst>
               <a:ext uri="{FF2B5EF4-FFF2-40B4-BE49-F238E27FC236}">
-                <a16:creationId xmlns:a16="http://schemas.microsoft.com/office/drawing/2014/main" id="{BE394D6C-2838-4D91-9E93-4BE2E356967C}"/>
+                <a16:creationId xmlns:a16="http://schemas.microsoft.com/office/drawing/2014/main" xmlns="" id="{BE394D6C-2838-4D91-9E93-4BE2E356967C}"/>
               </a:ext>
             </a:extLst>
           </p:cNvPr>
@@ -10914,28 +10915,28 @@
                 <a:gridCol w="1214439">
                   <a:extLst>
                     <a:ext uri="{9D8B030D-6E8A-4147-A177-3AD203B41FA5}">
-                      <a16:colId xmlns:a16="http://schemas.microsoft.com/office/drawing/2014/main" val="20000"/>
+                      <a16:colId xmlns:a16="http://schemas.microsoft.com/office/drawing/2014/main" xmlns="" val="20000"/>
                     </a:ext>
                   </a:extLst>
                 </a:gridCol>
                 <a:gridCol w="1243013">
                   <a:extLst>
                     <a:ext uri="{9D8B030D-6E8A-4147-A177-3AD203B41FA5}">
-                      <a16:colId xmlns:a16="http://schemas.microsoft.com/office/drawing/2014/main" val="20001"/>
+                      <a16:colId xmlns:a16="http://schemas.microsoft.com/office/drawing/2014/main" xmlns="" val="20001"/>
                     </a:ext>
                   </a:extLst>
                 </a:gridCol>
                 <a:gridCol w="2714625">
                   <a:extLst>
                     <a:ext uri="{9D8B030D-6E8A-4147-A177-3AD203B41FA5}">
-                      <a16:colId xmlns:a16="http://schemas.microsoft.com/office/drawing/2014/main" val="20002"/>
+                      <a16:colId xmlns:a16="http://schemas.microsoft.com/office/drawing/2014/main" xmlns="" val="20002"/>
                     </a:ext>
                   </a:extLst>
                 </a:gridCol>
                 <a:gridCol w="3314701">
                   <a:extLst>
                     <a:ext uri="{9D8B030D-6E8A-4147-A177-3AD203B41FA5}">
-                      <a16:colId xmlns:a16="http://schemas.microsoft.com/office/drawing/2014/main" val="20003"/>
+                      <a16:colId xmlns:a16="http://schemas.microsoft.com/office/drawing/2014/main" xmlns="" val="20003"/>
                     </a:ext>
                   </a:extLst>
                 </a:gridCol>
@@ -10995,7 +10996,7 @@
                 </a:tc>
                 <a:extLst>
                   <a:ext uri="{0D108BD9-81ED-4DB2-BD59-A6C34878D82A}">
-                    <a16:rowId xmlns:a16="http://schemas.microsoft.com/office/drawing/2014/main" val="10000"/>
+                    <a16:rowId xmlns:a16="http://schemas.microsoft.com/office/drawing/2014/main" xmlns="" val="10000"/>
                   </a:ext>
                 </a:extLst>
               </a:tr>
@@ -11059,7 +11060,7 @@
                 </a:tc>
                 <a:extLst>
                   <a:ext uri="{0D108BD9-81ED-4DB2-BD59-A6C34878D82A}">
-                    <a16:rowId xmlns:a16="http://schemas.microsoft.com/office/drawing/2014/main" val="10002"/>
+                    <a16:rowId xmlns:a16="http://schemas.microsoft.com/office/drawing/2014/main" xmlns="" val="10002"/>
                   </a:ext>
                 </a:extLst>
               </a:tr>
@@ -11091,7 +11092,7 @@
                 </a:solidFill>
               </a:rPr>
               <a:pPr/>
-              <a:t>12/3/2018</a:t>
+              <a:t>4/24/2019</a:t>
             </a:fld>
             <a:endParaRPr lang="en-US">
               <a:solidFill>
@@ -11201,7 +11202,7 @@
           <p:cNvPr id="2050" name="Picture 2" descr="Image result for aristotle meme">
             <a:extLst>
               <a:ext uri="{FF2B5EF4-FFF2-40B4-BE49-F238E27FC236}">
-                <a16:creationId xmlns:a16="http://schemas.microsoft.com/office/drawing/2014/main" id="{CC754B6F-F4B5-4872-95BA-5A217B8716AE}"/>
+                <a16:creationId xmlns:a16="http://schemas.microsoft.com/office/drawing/2014/main" xmlns="" id="{CC754B6F-F4B5-4872-95BA-5A217B8716AE}"/>
               </a:ext>
             </a:extLst>
           </p:cNvPr>
@@ -11301,28 +11302,28 @@
                 <a:gridCol w="1214439">
                   <a:extLst>
                     <a:ext uri="{9D8B030D-6E8A-4147-A177-3AD203B41FA5}">
-                      <a16:colId xmlns:a16="http://schemas.microsoft.com/office/drawing/2014/main" val="20000"/>
+                      <a16:colId xmlns:a16="http://schemas.microsoft.com/office/drawing/2014/main" xmlns="" val="20000"/>
                     </a:ext>
                   </a:extLst>
                 </a:gridCol>
                 <a:gridCol w="1243013">
                   <a:extLst>
                     <a:ext uri="{9D8B030D-6E8A-4147-A177-3AD203B41FA5}">
-                      <a16:colId xmlns:a16="http://schemas.microsoft.com/office/drawing/2014/main" val="20001"/>
+                      <a16:colId xmlns:a16="http://schemas.microsoft.com/office/drawing/2014/main" xmlns="" val="20001"/>
                     </a:ext>
                   </a:extLst>
                 </a:gridCol>
                 <a:gridCol w="2714625">
                   <a:extLst>
                     <a:ext uri="{9D8B030D-6E8A-4147-A177-3AD203B41FA5}">
-                      <a16:colId xmlns:a16="http://schemas.microsoft.com/office/drawing/2014/main" val="20002"/>
+                      <a16:colId xmlns:a16="http://schemas.microsoft.com/office/drawing/2014/main" xmlns="" val="20002"/>
                     </a:ext>
                   </a:extLst>
                 </a:gridCol>
                 <a:gridCol w="3314701">
                   <a:extLst>
                     <a:ext uri="{9D8B030D-6E8A-4147-A177-3AD203B41FA5}">
-                      <a16:colId xmlns:a16="http://schemas.microsoft.com/office/drawing/2014/main" val="20003"/>
+                      <a16:colId xmlns:a16="http://schemas.microsoft.com/office/drawing/2014/main" xmlns="" val="20003"/>
                     </a:ext>
                   </a:extLst>
                 </a:gridCol>
@@ -11382,7 +11383,7 @@
                 </a:tc>
                 <a:extLst>
                   <a:ext uri="{0D108BD9-81ED-4DB2-BD59-A6C34878D82A}">
-                    <a16:rowId xmlns:a16="http://schemas.microsoft.com/office/drawing/2014/main" val="10000"/>
+                    <a16:rowId xmlns:a16="http://schemas.microsoft.com/office/drawing/2014/main" xmlns="" val="10000"/>
                   </a:ext>
                 </a:extLst>
               </a:tr>
@@ -11502,7 +11503,7 @@
                 </a:tc>
                 <a:extLst>
                   <a:ext uri="{0D108BD9-81ED-4DB2-BD59-A6C34878D82A}">
-                    <a16:rowId xmlns:a16="http://schemas.microsoft.com/office/drawing/2014/main" val="10003"/>
+                    <a16:rowId xmlns:a16="http://schemas.microsoft.com/office/drawing/2014/main" xmlns="" val="10003"/>
                   </a:ext>
                 </a:extLst>
               </a:tr>
@@ -11534,7 +11535,7 @@
                 </a:solidFill>
               </a:rPr>
               <a:pPr/>
-              <a:t>12/3/2018</a:t>
+              <a:t>4/24/2019</a:t>
             </a:fld>
             <a:endParaRPr lang="en-US">
               <a:solidFill>
@@ -11644,7 +11645,7 @@
           <p:cNvPr id="3074" name="Picture 2" descr="Image result for utilitarianism meme">
             <a:extLst>
               <a:ext uri="{FF2B5EF4-FFF2-40B4-BE49-F238E27FC236}">
-                <a16:creationId xmlns:a16="http://schemas.microsoft.com/office/drawing/2014/main" id="{40E72E3C-DD01-4152-9782-CB4F429EAFEA}"/>
+                <a16:creationId xmlns:a16="http://schemas.microsoft.com/office/drawing/2014/main" xmlns="" id="{40E72E3C-DD01-4152-9782-CB4F429EAFEA}"/>
               </a:ext>
             </a:extLst>
           </p:cNvPr>
@@ -11691,7 +11692,7 @@
           <p:cNvPr id="3076" name="Picture 4" descr="Image result for utilitarianism meme">
             <a:extLst>
               <a:ext uri="{FF2B5EF4-FFF2-40B4-BE49-F238E27FC236}">
-                <a16:creationId xmlns:a16="http://schemas.microsoft.com/office/drawing/2014/main" id="{89B3A293-572E-4065-A7A9-29027565381E}"/>
+                <a16:creationId xmlns:a16="http://schemas.microsoft.com/office/drawing/2014/main" xmlns="" id="{89B3A293-572E-4065-A7A9-29027565381E}"/>
               </a:ext>
             </a:extLst>
           </p:cNvPr>
@@ -11787,7 +11788,7 @@
                 </a:solidFill>
               </a:rPr>
               <a:pPr/>
-              <a:t>12/3/2018</a:t>
+              <a:t>4/24/2019</a:t>
             </a:fld>
             <a:endParaRPr lang="en-US">
               <a:solidFill>
@@ -12004,28 +12005,28 @@
                 <a:gridCol w="1214439">
                   <a:extLst>
                     <a:ext uri="{9D8B030D-6E8A-4147-A177-3AD203B41FA5}">
-                      <a16:colId xmlns:a16="http://schemas.microsoft.com/office/drawing/2014/main" val="20000"/>
+                      <a16:colId xmlns:a16="http://schemas.microsoft.com/office/drawing/2014/main" xmlns="" val="20000"/>
                     </a:ext>
                   </a:extLst>
                 </a:gridCol>
                 <a:gridCol w="1243013">
                   <a:extLst>
                     <a:ext uri="{9D8B030D-6E8A-4147-A177-3AD203B41FA5}">
-                      <a16:colId xmlns:a16="http://schemas.microsoft.com/office/drawing/2014/main" val="20001"/>
+                      <a16:colId xmlns:a16="http://schemas.microsoft.com/office/drawing/2014/main" xmlns="" val="20001"/>
                     </a:ext>
                   </a:extLst>
                 </a:gridCol>
                 <a:gridCol w="2714625">
                   <a:extLst>
                     <a:ext uri="{9D8B030D-6E8A-4147-A177-3AD203B41FA5}">
-                      <a16:colId xmlns:a16="http://schemas.microsoft.com/office/drawing/2014/main" val="20002"/>
+                      <a16:colId xmlns:a16="http://schemas.microsoft.com/office/drawing/2014/main" xmlns="" val="20002"/>
                     </a:ext>
                   </a:extLst>
                 </a:gridCol>
                 <a:gridCol w="3314701">
                   <a:extLst>
                     <a:ext uri="{9D8B030D-6E8A-4147-A177-3AD203B41FA5}">
-                      <a16:colId xmlns:a16="http://schemas.microsoft.com/office/drawing/2014/main" val="20003"/>
+                      <a16:colId xmlns:a16="http://schemas.microsoft.com/office/drawing/2014/main" xmlns="" val="20003"/>
                     </a:ext>
                   </a:extLst>
                 </a:gridCol>
@@ -12085,7 +12086,7 @@
                 </a:tc>
                 <a:extLst>
                   <a:ext uri="{0D108BD9-81ED-4DB2-BD59-A6C34878D82A}">
-                    <a16:rowId xmlns:a16="http://schemas.microsoft.com/office/drawing/2014/main" val="10000"/>
+                    <a16:rowId xmlns:a16="http://schemas.microsoft.com/office/drawing/2014/main" xmlns="" val="10000"/>
                   </a:ext>
                 </a:extLst>
               </a:tr>
@@ -12149,7 +12150,7 @@
                 </a:tc>
                 <a:extLst>
                   <a:ext uri="{0D108BD9-81ED-4DB2-BD59-A6C34878D82A}">
-                    <a16:rowId xmlns:a16="http://schemas.microsoft.com/office/drawing/2014/main" val="10004"/>
+                    <a16:rowId xmlns:a16="http://schemas.microsoft.com/office/drawing/2014/main" xmlns="" val="10004"/>
                   </a:ext>
                 </a:extLst>
               </a:tr>
@@ -12181,7 +12182,7 @@
                 </a:solidFill>
               </a:rPr>
               <a:pPr/>
-              <a:t>12/3/2018</a:t>
+              <a:t>4/24/2019</a:t>
             </a:fld>
             <a:endParaRPr lang="en-US">
               <a:solidFill>
@@ -12291,7 +12292,7 @@
           <p:cNvPr id="5122" name="Picture 2" descr="Image result for locke meme">
             <a:extLst>
               <a:ext uri="{FF2B5EF4-FFF2-40B4-BE49-F238E27FC236}">
-                <a16:creationId xmlns:a16="http://schemas.microsoft.com/office/drawing/2014/main" id="{C0A8D927-5BEC-4157-8A95-C82F35680D4F}"/>
+                <a16:creationId xmlns:a16="http://schemas.microsoft.com/office/drawing/2014/main" xmlns="" id="{C0A8D927-5BEC-4157-8A95-C82F35680D4F}"/>
               </a:ext>
             </a:extLst>
           </p:cNvPr>
@@ -12338,7 +12339,7 @@
           <p:cNvPr id="5124" name="Picture 4" descr="Image result for locke meme">
             <a:extLst>
               <a:ext uri="{FF2B5EF4-FFF2-40B4-BE49-F238E27FC236}">
-                <a16:creationId xmlns:a16="http://schemas.microsoft.com/office/drawing/2014/main" id="{DA0FA8E0-E054-4D51-8B6F-A70A317D6D9F}"/>
+                <a16:creationId xmlns:a16="http://schemas.microsoft.com/office/drawing/2014/main" xmlns="" id="{DA0FA8E0-E054-4D51-8B6F-A70A317D6D9F}"/>
               </a:ext>
             </a:extLst>
           </p:cNvPr>
@@ -12385,7 +12386,7 @@
           <p:cNvPr id="5126" name="Picture 6" descr="Image result for john locke meme">
             <a:extLst>
               <a:ext uri="{FF2B5EF4-FFF2-40B4-BE49-F238E27FC236}">
-                <a16:creationId xmlns:a16="http://schemas.microsoft.com/office/drawing/2014/main" id="{27FE87DB-80E7-4198-84C7-6F35B14665B9}"/>
+                <a16:creationId xmlns:a16="http://schemas.microsoft.com/office/drawing/2014/main" xmlns="" id="{27FE87DB-80E7-4198-84C7-6F35B14665B9}"/>
               </a:ext>
             </a:extLst>
           </p:cNvPr>
@@ -12481,7 +12482,7 @@
                 </a:solidFill>
               </a:rPr>
               <a:pPr/>
-              <a:t>12/3/2018</a:t>
+              <a:t>4/24/2019</a:t>
             </a:fld>
             <a:endParaRPr lang="en-US">
               <a:solidFill>
@@ -12591,7 +12592,7 @@
           <p:cNvPr id="9" name="Rectangle 8">
             <a:extLst>
               <a:ext uri="{FF2B5EF4-FFF2-40B4-BE49-F238E27FC236}">
-                <a16:creationId xmlns:a16="http://schemas.microsoft.com/office/drawing/2014/main" id="{461E3EC4-5611-4241-B153-0FD4799CC6FC}"/>
+                <a16:creationId xmlns:a16="http://schemas.microsoft.com/office/drawing/2014/main" xmlns="" id="{461E3EC4-5611-4241-B153-0FD4799CC6FC}"/>
               </a:ext>
             </a:extLst>
           </p:cNvPr>
@@ -12646,7 +12647,7 @@
           <p:cNvPr id="4098" name="Picture 2" descr="Image result for philosophy  meme">
             <a:extLst>
               <a:ext uri="{FF2B5EF4-FFF2-40B4-BE49-F238E27FC236}">
-                <a16:creationId xmlns:a16="http://schemas.microsoft.com/office/drawing/2014/main" id="{70EDCE4F-1B77-4CD6-8D40-AF9F8E20DF91}"/>
+                <a16:creationId xmlns:a16="http://schemas.microsoft.com/office/drawing/2014/main" xmlns="" id="{70EDCE4F-1B77-4CD6-8D40-AF9F8E20DF91}"/>
               </a:ext>
             </a:extLst>
           </p:cNvPr>
@@ -12693,7 +12694,7 @@
           <p:cNvPr id="4100" name="Picture 4" descr="Image result for philosophy  meme">
             <a:extLst>
               <a:ext uri="{FF2B5EF4-FFF2-40B4-BE49-F238E27FC236}">
-                <a16:creationId xmlns:a16="http://schemas.microsoft.com/office/drawing/2014/main" id="{AE371A6C-DE6B-4141-B9B9-4CC3A80BA68B}"/>
+                <a16:creationId xmlns:a16="http://schemas.microsoft.com/office/drawing/2014/main" xmlns="" id="{AE371A6C-DE6B-4141-B9B9-4CC3A80BA68B}"/>
               </a:ext>
             </a:extLst>
           </p:cNvPr>
@@ -12740,7 +12741,7 @@
           <p:cNvPr id="4102" name="Picture 6" descr="Image result for philosophy  meme">
             <a:extLst>
               <a:ext uri="{FF2B5EF4-FFF2-40B4-BE49-F238E27FC236}">
-                <a16:creationId xmlns:a16="http://schemas.microsoft.com/office/drawing/2014/main" id="{FA22FEE3-5F52-4CB5-9867-43D66C013A17}"/>
+                <a16:creationId xmlns:a16="http://schemas.microsoft.com/office/drawing/2014/main" xmlns="" id="{FA22FEE3-5F52-4CB5-9867-43D66C013A17}"/>
               </a:ext>
             </a:extLst>
           </p:cNvPr>
@@ -12787,7 +12788,7 @@
           <p:cNvPr id="4104" name="Picture 8" descr="Image result for philosophy  meme">
             <a:extLst>
               <a:ext uri="{FF2B5EF4-FFF2-40B4-BE49-F238E27FC236}">
-                <a16:creationId xmlns:a16="http://schemas.microsoft.com/office/drawing/2014/main" id="{A5BB52CE-B849-4DF1-A8F7-CE02563C5353}"/>
+                <a16:creationId xmlns:a16="http://schemas.microsoft.com/office/drawing/2014/main" xmlns="" id="{A5BB52CE-B849-4DF1-A8F7-CE02563C5353}"/>
               </a:ext>
             </a:extLst>
           </p:cNvPr>
@@ -12834,7 +12835,7 @@
           <p:cNvPr id="4106" name="Picture 10" descr="Image result for philosophy  meme">
             <a:extLst>
               <a:ext uri="{FF2B5EF4-FFF2-40B4-BE49-F238E27FC236}">
-                <a16:creationId xmlns:a16="http://schemas.microsoft.com/office/drawing/2014/main" id="{FE25D894-4569-4BB7-9CED-24D6E823F559}"/>
+                <a16:creationId xmlns:a16="http://schemas.microsoft.com/office/drawing/2014/main" xmlns="" id="{FE25D894-4569-4BB7-9CED-24D6E823F559}"/>
               </a:ext>
             </a:extLst>
           </p:cNvPr>
@@ -12881,7 +12882,7 @@
           <p:cNvPr id="4108" name="Picture 12" descr="Image result for philosophy  meme">
             <a:extLst>
               <a:ext uri="{FF2B5EF4-FFF2-40B4-BE49-F238E27FC236}">
-                <a16:creationId xmlns:a16="http://schemas.microsoft.com/office/drawing/2014/main" id="{005FC18C-7CB4-4673-A741-C7CF2050B348}"/>
+                <a16:creationId xmlns:a16="http://schemas.microsoft.com/office/drawing/2014/main" xmlns="" id="{005FC18C-7CB4-4673-A741-C7CF2050B348}"/>
               </a:ext>
             </a:extLst>
           </p:cNvPr>
@@ -12977,7 +12978,7 @@
                 </a:solidFill>
               </a:rPr>
               <a:pPr/>
-              <a:t>12/3/2018</a:t>
+              <a:t>4/24/2019</a:t>
             </a:fld>
             <a:endParaRPr lang="en-US">
               <a:solidFill>
@@ -13226,7 +13227,7 @@
                 </a:solidFill>
               </a:rPr>
               <a:pPr/>
-              <a:t>12/3/2018</a:t>
+              <a:t>4/24/2019</a:t>
             </a:fld>
             <a:endParaRPr lang="en-US">
               <a:solidFill>
@@ -13474,7 +13475,7 @@
                 </a:solidFill>
               </a:rPr>
               <a:pPr/>
-              <a:t>12/3/2018</a:t>
+              <a:t>4/24/2019</a:t>
             </a:fld>
             <a:endParaRPr lang="en-US">
               <a:solidFill>
@@ -13638,7 +13639,7 @@
                 </a:solidFill>
               </a:rPr>
               <a:pPr/>
-              <a:t>12/3/2018</a:t>
+              <a:t>4/24/2019</a:t>
             </a:fld>
             <a:endParaRPr lang="en-US">
               <a:solidFill>
@@ -13851,7 +13852,7 @@
                 </a:solidFill>
               </a:rPr>
               <a:pPr/>
-              <a:t>12/3/2018</a:t>
+              <a:t>4/24/2019</a:t>
             </a:fld>
             <a:endParaRPr lang="en-US">
               <a:solidFill>
@@ -14064,7 +14065,7 @@
                 </a:solidFill>
               </a:rPr>
               <a:pPr/>
-              <a:t>12/3/2018</a:t>
+              <a:t>4/24/2019</a:t>
             </a:fld>
             <a:endParaRPr lang="en-US">
               <a:solidFill>
@@ -14269,7 +14270,7 @@
                 </a:solidFill>
               </a:rPr>
               <a:pPr/>
-              <a:t>12/3/2018</a:t>
+              <a:t>4/24/2019</a:t>
             </a:fld>
             <a:endParaRPr lang="en-US">
               <a:solidFill>
@@ -14525,7 +14526,7 @@
                 </a:solidFill>
               </a:rPr>
               <a:pPr/>
-              <a:t>12/3/2018</a:t>
+              <a:t>4/24/2019</a:t>
             </a:fld>
             <a:endParaRPr lang="en-US">
               <a:solidFill>
